--- a/유니티 교육과정.pptx
+++ b/유니티 교육과정.pptx
@@ -263,7 +263,7 @@
           <a:p>
             <a:fld id="{459B6B1B-908D-4BFD-AE3C-9545F0632E54}" type="datetimeFigureOut">
               <a:rPr lang="ko-KR" altLang="en-US" smtClean="0"/>
-              <a:t>2024-05-03</a:t>
+              <a:t>2024-05-05</a:t>
             </a:fld>
             <a:endParaRPr lang="ko-KR" altLang="en-US"/>
           </a:p>
@@ -461,7 +461,7 @@
           <a:p>
             <a:fld id="{459B6B1B-908D-4BFD-AE3C-9545F0632E54}" type="datetimeFigureOut">
               <a:rPr lang="ko-KR" altLang="en-US" smtClean="0"/>
-              <a:t>2024-05-03</a:t>
+              <a:t>2024-05-05</a:t>
             </a:fld>
             <a:endParaRPr lang="ko-KR" altLang="en-US"/>
           </a:p>
@@ -669,7 +669,7 @@
           <a:p>
             <a:fld id="{459B6B1B-908D-4BFD-AE3C-9545F0632E54}" type="datetimeFigureOut">
               <a:rPr lang="ko-KR" altLang="en-US" smtClean="0"/>
-              <a:t>2024-05-03</a:t>
+              <a:t>2024-05-05</a:t>
             </a:fld>
             <a:endParaRPr lang="ko-KR" altLang="en-US"/>
           </a:p>
@@ -867,7 +867,7 @@
           <a:p>
             <a:fld id="{459B6B1B-908D-4BFD-AE3C-9545F0632E54}" type="datetimeFigureOut">
               <a:rPr lang="ko-KR" altLang="en-US" smtClean="0"/>
-              <a:t>2024-05-03</a:t>
+              <a:t>2024-05-05</a:t>
             </a:fld>
             <a:endParaRPr lang="ko-KR" altLang="en-US"/>
           </a:p>
@@ -1142,7 +1142,7 @@
           <a:p>
             <a:fld id="{459B6B1B-908D-4BFD-AE3C-9545F0632E54}" type="datetimeFigureOut">
               <a:rPr lang="ko-KR" altLang="en-US" smtClean="0"/>
-              <a:t>2024-05-03</a:t>
+              <a:t>2024-05-05</a:t>
             </a:fld>
             <a:endParaRPr lang="ko-KR" altLang="en-US"/>
           </a:p>
@@ -1407,7 +1407,7 @@
           <a:p>
             <a:fld id="{459B6B1B-908D-4BFD-AE3C-9545F0632E54}" type="datetimeFigureOut">
               <a:rPr lang="ko-KR" altLang="en-US" smtClean="0"/>
-              <a:t>2024-05-03</a:t>
+              <a:t>2024-05-05</a:t>
             </a:fld>
             <a:endParaRPr lang="ko-KR" altLang="en-US"/>
           </a:p>
@@ -1819,7 +1819,7 @@
           <a:p>
             <a:fld id="{459B6B1B-908D-4BFD-AE3C-9545F0632E54}" type="datetimeFigureOut">
               <a:rPr lang="ko-KR" altLang="en-US" smtClean="0"/>
-              <a:t>2024-05-03</a:t>
+              <a:t>2024-05-05</a:t>
             </a:fld>
             <a:endParaRPr lang="ko-KR" altLang="en-US"/>
           </a:p>
@@ -1960,7 +1960,7 @@
           <a:p>
             <a:fld id="{459B6B1B-908D-4BFD-AE3C-9545F0632E54}" type="datetimeFigureOut">
               <a:rPr lang="ko-KR" altLang="en-US" smtClean="0"/>
-              <a:t>2024-05-03</a:t>
+              <a:t>2024-05-05</a:t>
             </a:fld>
             <a:endParaRPr lang="ko-KR" altLang="en-US"/>
           </a:p>
@@ -2073,7 +2073,7 @@
           <a:p>
             <a:fld id="{459B6B1B-908D-4BFD-AE3C-9545F0632E54}" type="datetimeFigureOut">
               <a:rPr lang="ko-KR" altLang="en-US" smtClean="0"/>
-              <a:t>2024-05-03</a:t>
+              <a:t>2024-05-05</a:t>
             </a:fld>
             <a:endParaRPr lang="ko-KR" altLang="en-US"/>
           </a:p>
@@ -2384,7 +2384,7 @@
           <a:p>
             <a:fld id="{459B6B1B-908D-4BFD-AE3C-9545F0632E54}" type="datetimeFigureOut">
               <a:rPr lang="ko-KR" altLang="en-US" smtClean="0"/>
-              <a:t>2024-05-03</a:t>
+              <a:t>2024-05-05</a:t>
             </a:fld>
             <a:endParaRPr lang="ko-KR" altLang="en-US"/>
           </a:p>
@@ -2672,7 +2672,7 @@
           <a:p>
             <a:fld id="{459B6B1B-908D-4BFD-AE3C-9545F0632E54}" type="datetimeFigureOut">
               <a:rPr lang="ko-KR" altLang="en-US" smtClean="0"/>
-              <a:t>2024-05-03</a:t>
+              <a:t>2024-05-05</a:t>
             </a:fld>
             <a:endParaRPr lang="ko-KR" altLang="en-US"/>
           </a:p>
@@ -2913,7 +2913,7 @@
           <a:p>
             <a:fld id="{459B6B1B-908D-4BFD-AE3C-9545F0632E54}" type="datetimeFigureOut">
               <a:rPr lang="ko-KR" altLang="en-US" smtClean="0"/>
-              <a:t>2024-05-03</a:t>
+              <a:t>2024-05-05</a:t>
             </a:fld>
             <a:endParaRPr lang="ko-KR" altLang="en-US"/>
           </a:p>
@@ -4161,7 +4161,7 @@
         <p:spPr>
           <a:xfrm>
             <a:off x="914400" y="729574"/>
-            <a:ext cx="10535055" cy="4801314"/>
+            <a:ext cx="10535055" cy="4247317"/>
           </a:xfrm>
           <a:prstGeom prst="rect">
             <a:avLst/>
@@ -4329,26 +4329,9 @@
               <a:t>부대 관리 </a:t>
             </a:r>
             <a:r>
-              <a:rPr lang="en-US" altLang="ko-KR" dirty="0"/>
+              <a:rPr lang="en-US" altLang="ko-KR"/>
               <a:t>)</a:t>
             </a:r>
-          </a:p>
-          <a:p>
-            <a:pPr marL="285750" indent="-285750">
-              <a:buFontTx/>
-              <a:buChar char="-"/>
-            </a:pPr>
-            <a:r>
-              <a:rPr lang="en-US" altLang="ko-KR" dirty="0"/>
-              <a:t>Effect </a:t>
-            </a:r>
-            <a:r>
-              <a:rPr lang="ko-KR" altLang="en-US" dirty="0"/>
-              <a:t>만들기 </a:t>
-            </a:r>
-            <a:endParaRPr lang="en-US" altLang="ko-KR" dirty="0"/>
-          </a:p>
-          <a:p>
             <a:endParaRPr lang="en-US" altLang="ko-KR" dirty="0"/>
           </a:p>
           <a:p>

--- a/유니티 교육과정.pptx
+++ b/유니티 교육과정.pptx
@@ -263,7 +263,7 @@
           <a:p>
             <a:fld id="{459B6B1B-908D-4BFD-AE3C-9545F0632E54}" type="datetimeFigureOut">
               <a:rPr lang="ko-KR" altLang="en-US" smtClean="0"/>
-              <a:t>2024-05-05</a:t>
+              <a:t>2024-05-06</a:t>
             </a:fld>
             <a:endParaRPr lang="ko-KR" altLang="en-US"/>
           </a:p>
@@ -461,7 +461,7 @@
           <a:p>
             <a:fld id="{459B6B1B-908D-4BFD-AE3C-9545F0632E54}" type="datetimeFigureOut">
               <a:rPr lang="ko-KR" altLang="en-US" smtClean="0"/>
-              <a:t>2024-05-05</a:t>
+              <a:t>2024-05-06</a:t>
             </a:fld>
             <a:endParaRPr lang="ko-KR" altLang="en-US"/>
           </a:p>
@@ -669,7 +669,7 @@
           <a:p>
             <a:fld id="{459B6B1B-908D-4BFD-AE3C-9545F0632E54}" type="datetimeFigureOut">
               <a:rPr lang="ko-KR" altLang="en-US" smtClean="0"/>
-              <a:t>2024-05-05</a:t>
+              <a:t>2024-05-06</a:t>
             </a:fld>
             <a:endParaRPr lang="ko-KR" altLang="en-US"/>
           </a:p>
@@ -867,7 +867,7 @@
           <a:p>
             <a:fld id="{459B6B1B-908D-4BFD-AE3C-9545F0632E54}" type="datetimeFigureOut">
               <a:rPr lang="ko-KR" altLang="en-US" smtClean="0"/>
-              <a:t>2024-05-05</a:t>
+              <a:t>2024-05-06</a:t>
             </a:fld>
             <a:endParaRPr lang="ko-KR" altLang="en-US"/>
           </a:p>
@@ -1142,7 +1142,7 @@
           <a:p>
             <a:fld id="{459B6B1B-908D-4BFD-AE3C-9545F0632E54}" type="datetimeFigureOut">
               <a:rPr lang="ko-KR" altLang="en-US" smtClean="0"/>
-              <a:t>2024-05-05</a:t>
+              <a:t>2024-05-06</a:t>
             </a:fld>
             <a:endParaRPr lang="ko-KR" altLang="en-US"/>
           </a:p>
@@ -1407,7 +1407,7 @@
           <a:p>
             <a:fld id="{459B6B1B-908D-4BFD-AE3C-9545F0632E54}" type="datetimeFigureOut">
               <a:rPr lang="ko-KR" altLang="en-US" smtClean="0"/>
-              <a:t>2024-05-05</a:t>
+              <a:t>2024-05-06</a:t>
             </a:fld>
             <a:endParaRPr lang="ko-KR" altLang="en-US"/>
           </a:p>
@@ -1819,7 +1819,7 @@
           <a:p>
             <a:fld id="{459B6B1B-908D-4BFD-AE3C-9545F0632E54}" type="datetimeFigureOut">
               <a:rPr lang="ko-KR" altLang="en-US" smtClean="0"/>
-              <a:t>2024-05-05</a:t>
+              <a:t>2024-05-06</a:t>
             </a:fld>
             <a:endParaRPr lang="ko-KR" altLang="en-US"/>
           </a:p>
@@ -1960,7 +1960,7 @@
           <a:p>
             <a:fld id="{459B6B1B-908D-4BFD-AE3C-9545F0632E54}" type="datetimeFigureOut">
               <a:rPr lang="ko-KR" altLang="en-US" smtClean="0"/>
-              <a:t>2024-05-05</a:t>
+              <a:t>2024-05-06</a:t>
             </a:fld>
             <a:endParaRPr lang="ko-KR" altLang="en-US"/>
           </a:p>
@@ -2073,7 +2073,7 @@
           <a:p>
             <a:fld id="{459B6B1B-908D-4BFD-AE3C-9545F0632E54}" type="datetimeFigureOut">
               <a:rPr lang="ko-KR" altLang="en-US" smtClean="0"/>
-              <a:t>2024-05-05</a:t>
+              <a:t>2024-05-06</a:t>
             </a:fld>
             <a:endParaRPr lang="ko-KR" altLang="en-US"/>
           </a:p>
@@ -2384,7 +2384,7 @@
           <a:p>
             <a:fld id="{459B6B1B-908D-4BFD-AE3C-9545F0632E54}" type="datetimeFigureOut">
               <a:rPr lang="ko-KR" altLang="en-US" smtClean="0"/>
-              <a:t>2024-05-05</a:t>
+              <a:t>2024-05-06</a:t>
             </a:fld>
             <a:endParaRPr lang="ko-KR" altLang="en-US"/>
           </a:p>
@@ -2672,7 +2672,7 @@
           <a:p>
             <a:fld id="{459B6B1B-908D-4BFD-AE3C-9545F0632E54}" type="datetimeFigureOut">
               <a:rPr lang="ko-KR" altLang="en-US" smtClean="0"/>
-              <a:t>2024-05-05</a:t>
+              <a:t>2024-05-06</a:t>
             </a:fld>
             <a:endParaRPr lang="ko-KR" altLang="en-US"/>
           </a:p>
@@ -2913,7 +2913,7 @@
           <a:p>
             <a:fld id="{459B6B1B-908D-4BFD-AE3C-9545F0632E54}" type="datetimeFigureOut">
               <a:rPr lang="ko-KR" altLang="en-US" smtClean="0"/>
-              <a:t>2024-05-05</a:t>
+              <a:t>2024-05-06</a:t>
             </a:fld>
             <a:endParaRPr lang="ko-KR" altLang="en-US"/>
           </a:p>
@@ -3346,7 +3346,12 @@
             <p:ph type="ctrTitle"/>
           </p:nvPr>
         </p:nvSpPr>
-        <p:spPr/>
+        <p:spPr>
+          <a:xfrm>
+            <a:off x="1524000" y="1638411"/>
+            <a:ext cx="9144000" cy="2387600"/>
+          </a:xfrm>
+        </p:spPr>
         <p:txBody>
           <a:bodyPr/>
           <a:lstStyle/>
@@ -3355,6 +3360,30 @@
               <a:rPr lang="ko-KR" altLang="en-US" dirty="0"/>
               <a:t>유니티 교육과정</a:t>
             </a:r>
+            <a:br>
+              <a:rPr lang="en-US" altLang="ko-KR" dirty="0"/>
+            </a:br>
+            <a:r>
+              <a:rPr lang="en-US" altLang="ko-KR" sz="2000" dirty="0"/>
+              <a:t>(</a:t>
+            </a:r>
+            <a:r>
+              <a:rPr lang="ko-KR" altLang="en-US" sz="2000" dirty="0"/>
+              <a:t>첫 </a:t>
+            </a:r>
+            <a:r>
+              <a:rPr lang="en-US" altLang="ko-KR" sz="2000" dirty="0"/>
+              <a:t>4</a:t>
+            </a:r>
+            <a:r>
+              <a:rPr lang="ko-KR" altLang="en-US" sz="2000" dirty="0"/>
+              <a:t>주는 프로그래밍 기초</a:t>
+            </a:r>
+            <a:r>
+              <a:rPr lang="en-US" altLang="ko-KR" sz="2000" dirty="0"/>
+              <a:t>)</a:t>
+            </a:r>
+            <a:endParaRPr lang="ko-KR" altLang="en-US" dirty="0"/>
           </a:p>
         </p:txBody>
       </p:sp>
@@ -4329,10 +4358,9 @@
               <a:t>부대 관리 </a:t>
             </a:r>
             <a:r>
-              <a:rPr lang="en-US" altLang="ko-KR"/>
+              <a:rPr lang="en-US" altLang="ko-KR" dirty="0"/>
               <a:t>)</a:t>
             </a:r>
-            <a:endParaRPr lang="en-US" altLang="ko-KR" dirty="0"/>
           </a:p>
           <a:p>
             <a:endParaRPr lang="en-US" altLang="ko-KR" dirty="0"/>
